--- a/jenny_CMF/graphs/Boxplot age vs compliance ODF.pptx
+++ b/jenny_CMF/graphs/Boxplot age vs compliance ODF.pptx
@@ -2307,20 +2307,20 @@
           <p:spPr>
             <a:xfrm>
               <a:off x="884169" y="5572986"/>
-              <a:ext cx="7726715" cy="0"/>
+              <a:ext cx="6559255" cy="0"/>
             </a:xfrm>
             <a:custGeom>
               <a:avLst/>
               <a:pathLst>
-                <a:path w="7726715" h="0">
+                <a:path w="6559255" h="0">
                   <a:moveTo>
                     <a:pt x="0" y="0"/>
                   </a:moveTo>
                   <a:lnTo>
-                    <a:pt x="7726715" y="0"/>
-                  </a:lnTo>
-                  <a:lnTo>
-                    <a:pt x="7726715" y="0"/>
+                    <a:pt x="6559255" y="0"/>
+                  </a:lnTo>
+                  <a:lnTo>
+                    <a:pt x="6559255" y="0"/>
                   </a:lnTo>
                 </a:path>
               </a:pathLst>
@@ -2350,20 +2350,20 @@
           <p:spPr>
             <a:xfrm>
               <a:off x="884169" y="5267873"/>
-              <a:ext cx="7726715" cy="0"/>
+              <a:ext cx="6559255" cy="0"/>
             </a:xfrm>
             <a:custGeom>
               <a:avLst/>
               <a:pathLst>
-                <a:path w="7726715" h="0">
+                <a:path w="6559255" h="0">
                   <a:moveTo>
                     <a:pt x="0" y="0"/>
                   </a:moveTo>
                   <a:lnTo>
-                    <a:pt x="7726715" y="0"/>
-                  </a:lnTo>
-                  <a:lnTo>
-                    <a:pt x="7726715" y="0"/>
+                    <a:pt x="6559255" y="0"/>
+                  </a:lnTo>
+                  <a:lnTo>
+                    <a:pt x="6559255" y="0"/>
                   </a:lnTo>
                 </a:path>
               </a:pathLst>
@@ -2393,20 +2393,20 @@
           <p:spPr>
             <a:xfrm>
               <a:off x="884169" y="4962761"/>
-              <a:ext cx="7726715" cy="0"/>
+              <a:ext cx="6559255" cy="0"/>
             </a:xfrm>
             <a:custGeom>
               <a:avLst/>
               <a:pathLst>
-                <a:path w="7726715" h="0">
+                <a:path w="6559255" h="0">
                   <a:moveTo>
                     <a:pt x="0" y="0"/>
                   </a:moveTo>
                   <a:lnTo>
-                    <a:pt x="7726715" y="0"/>
-                  </a:lnTo>
-                  <a:lnTo>
-                    <a:pt x="7726715" y="0"/>
+                    <a:pt x="6559255" y="0"/>
+                  </a:lnTo>
+                  <a:lnTo>
+                    <a:pt x="6559255" y="0"/>
                   </a:lnTo>
                 </a:path>
               </a:pathLst>
@@ -2436,20 +2436,20 @@
           <p:spPr>
             <a:xfrm>
               <a:off x="884169" y="4657648"/>
-              <a:ext cx="7726715" cy="0"/>
+              <a:ext cx="6559255" cy="0"/>
             </a:xfrm>
             <a:custGeom>
               <a:avLst/>
               <a:pathLst>
-                <a:path w="7726715" h="0">
+                <a:path w="6559255" h="0">
                   <a:moveTo>
                     <a:pt x="0" y="0"/>
                   </a:moveTo>
                   <a:lnTo>
-                    <a:pt x="7726715" y="0"/>
-                  </a:lnTo>
-                  <a:lnTo>
-                    <a:pt x="7726715" y="0"/>
+                    <a:pt x="6559255" y="0"/>
+                  </a:lnTo>
+                  <a:lnTo>
+                    <a:pt x="6559255" y="0"/>
                   </a:lnTo>
                 </a:path>
               </a:pathLst>
@@ -2479,20 +2479,20 @@
           <p:spPr>
             <a:xfrm>
               <a:off x="884169" y="4352536"/>
-              <a:ext cx="7726715" cy="0"/>
+              <a:ext cx="6559255" cy="0"/>
             </a:xfrm>
             <a:custGeom>
               <a:avLst/>
               <a:pathLst>
-                <a:path w="7726715" h="0">
+                <a:path w="6559255" h="0">
                   <a:moveTo>
                     <a:pt x="0" y="0"/>
                   </a:moveTo>
                   <a:lnTo>
-                    <a:pt x="7726715" y="0"/>
-                  </a:lnTo>
-                  <a:lnTo>
-                    <a:pt x="7726715" y="0"/>
+                    <a:pt x="6559255" y="0"/>
+                  </a:lnTo>
+                  <a:lnTo>
+                    <a:pt x="6559255" y="0"/>
                   </a:lnTo>
                 </a:path>
               </a:pathLst>
@@ -2522,20 +2522,20 @@
           <p:spPr>
             <a:xfrm>
               <a:off x="884169" y="4047423"/>
-              <a:ext cx="7726715" cy="0"/>
+              <a:ext cx="6559255" cy="0"/>
             </a:xfrm>
             <a:custGeom>
               <a:avLst/>
               <a:pathLst>
-                <a:path w="7726715" h="0">
+                <a:path w="6559255" h="0">
                   <a:moveTo>
                     <a:pt x="0" y="0"/>
                   </a:moveTo>
                   <a:lnTo>
-                    <a:pt x="7726715" y="0"/>
-                  </a:lnTo>
-                  <a:lnTo>
-                    <a:pt x="7726715" y="0"/>
+                    <a:pt x="6559255" y="0"/>
+                  </a:lnTo>
+                  <a:lnTo>
+                    <a:pt x="6559255" y="0"/>
                   </a:lnTo>
                 </a:path>
               </a:pathLst>
@@ -2565,20 +2565,20 @@
           <p:spPr>
             <a:xfrm>
               <a:off x="884169" y="3742311"/>
-              <a:ext cx="7726715" cy="0"/>
+              <a:ext cx="6559255" cy="0"/>
             </a:xfrm>
             <a:custGeom>
               <a:avLst/>
               <a:pathLst>
-                <a:path w="7726715" h="0">
+                <a:path w="6559255" h="0">
                   <a:moveTo>
                     <a:pt x="0" y="0"/>
                   </a:moveTo>
                   <a:lnTo>
-                    <a:pt x="7726715" y="0"/>
-                  </a:lnTo>
-                  <a:lnTo>
-                    <a:pt x="7726715" y="0"/>
+                    <a:pt x="6559255" y="0"/>
+                  </a:lnTo>
+                  <a:lnTo>
+                    <a:pt x="6559255" y="0"/>
                   </a:lnTo>
                 </a:path>
               </a:pathLst>
@@ -2608,20 +2608,20 @@
           <p:spPr>
             <a:xfrm>
               <a:off x="884169" y="3437198"/>
-              <a:ext cx="7726715" cy="0"/>
+              <a:ext cx="6559255" cy="0"/>
             </a:xfrm>
             <a:custGeom>
               <a:avLst/>
               <a:pathLst>
-                <a:path w="7726715" h="0">
+                <a:path w="6559255" h="0">
                   <a:moveTo>
                     <a:pt x="0" y="0"/>
                   </a:moveTo>
                   <a:lnTo>
-                    <a:pt x="7726715" y="0"/>
-                  </a:lnTo>
-                  <a:lnTo>
-                    <a:pt x="7726715" y="0"/>
+                    <a:pt x="6559255" y="0"/>
+                  </a:lnTo>
+                  <a:lnTo>
+                    <a:pt x="6559255" y="0"/>
                   </a:lnTo>
                 </a:path>
               </a:pathLst>
@@ -2651,20 +2651,20 @@
           <p:spPr>
             <a:xfrm>
               <a:off x="884169" y="3132086"/>
-              <a:ext cx="7726715" cy="0"/>
+              <a:ext cx="6559255" cy="0"/>
             </a:xfrm>
             <a:custGeom>
               <a:avLst/>
               <a:pathLst>
-                <a:path w="7726715" h="0">
+                <a:path w="6559255" h="0">
                   <a:moveTo>
                     <a:pt x="0" y="0"/>
                   </a:moveTo>
                   <a:lnTo>
-                    <a:pt x="7726715" y="0"/>
-                  </a:lnTo>
-                  <a:lnTo>
-                    <a:pt x="7726715" y="0"/>
+                    <a:pt x="6559255" y="0"/>
+                  </a:lnTo>
+                  <a:lnTo>
+                    <a:pt x="6559255" y="0"/>
                   </a:lnTo>
                 </a:path>
               </a:pathLst>
@@ -2694,20 +2694,20 @@
           <p:spPr>
             <a:xfrm>
               <a:off x="884169" y="2826973"/>
-              <a:ext cx="7726715" cy="0"/>
+              <a:ext cx="6559255" cy="0"/>
             </a:xfrm>
             <a:custGeom>
               <a:avLst/>
               <a:pathLst>
-                <a:path w="7726715" h="0">
+                <a:path w="6559255" h="0">
                   <a:moveTo>
                     <a:pt x="0" y="0"/>
                   </a:moveTo>
                   <a:lnTo>
-                    <a:pt x="7726715" y="0"/>
-                  </a:lnTo>
-                  <a:lnTo>
-                    <a:pt x="7726715" y="0"/>
+                    <a:pt x="6559255" y="0"/>
+                  </a:lnTo>
+                  <a:lnTo>
+                    <a:pt x="6559255" y="0"/>
                   </a:lnTo>
                 </a:path>
               </a:pathLst>
@@ -2737,20 +2737,20 @@
           <p:spPr>
             <a:xfrm>
               <a:off x="884169" y="2521861"/>
-              <a:ext cx="7726715" cy="0"/>
+              <a:ext cx="6559255" cy="0"/>
             </a:xfrm>
             <a:custGeom>
               <a:avLst/>
               <a:pathLst>
-                <a:path w="7726715" h="0">
+                <a:path w="6559255" h="0">
                   <a:moveTo>
                     <a:pt x="0" y="0"/>
                   </a:moveTo>
                   <a:lnTo>
-                    <a:pt x="7726715" y="0"/>
-                  </a:lnTo>
-                  <a:lnTo>
-                    <a:pt x="7726715" y="0"/>
+                    <a:pt x="6559255" y="0"/>
+                  </a:lnTo>
+                  <a:lnTo>
+                    <a:pt x="6559255" y="0"/>
                   </a:lnTo>
                 </a:path>
               </a:pathLst>
@@ -2780,20 +2780,20 @@
           <p:spPr>
             <a:xfrm>
               <a:off x="884169" y="2216748"/>
-              <a:ext cx="7726715" cy="0"/>
+              <a:ext cx="6559255" cy="0"/>
             </a:xfrm>
             <a:custGeom>
               <a:avLst/>
               <a:pathLst>
-                <a:path w="7726715" h="0">
+                <a:path w="6559255" h="0">
                   <a:moveTo>
                     <a:pt x="0" y="0"/>
                   </a:moveTo>
                   <a:lnTo>
-                    <a:pt x="7726715" y="0"/>
-                  </a:lnTo>
-                  <a:lnTo>
-                    <a:pt x="7726715" y="0"/>
+                    <a:pt x="6559255" y="0"/>
+                  </a:lnTo>
+                  <a:lnTo>
+                    <a:pt x="6559255" y="0"/>
                   </a:lnTo>
                 </a:path>
               </a:pathLst>
@@ -2822,7 +2822,7 @@
           </p:nvSpPr>
           <p:spPr>
             <a:xfrm>
-              <a:off x="2991455" y="2089618"/>
+              <a:off x="2673057" y="2089618"/>
               <a:ext cx="0" cy="584798"/>
             </a:xfrm>
             <a:custGeom>
@@ -2862,7 +2862,7 @@
           </p:nvSpPr>
           <p:spPr>
             <a:xfrm>
-              <a:off x="2991455" y="4009284"/>
+              <a:off x="2673057" y="4009284"/>
               <a:ext cx="0" cy="902624"/>
             </a:xfrm>
             <a:custGeom>
@@ -2902,13 +2902,13 @@
           </p:nvSpPr>
           <p:spPr>
             <a:xfrm>
-              <a:off x="1674401" y="2674417"/>
-              <a:ext cx="2634107" cy="1334867"/>
+              <a:off x="1555002" y="2674417"/>
+              <a:ext cx="2236109" cy="1334867"/>
             </a:xfrm>
             <a:custGeom>
               <a:avLst/>
               <a:pathLst>
-                <a:path w="2634107" h="1334867">
+                <a:path w="2236109" h="1334867">
                   <a:moveTo>
                     <a:pt x="0" y="0"/>
                   </a:moveTo>
@@ -2916,17 +2916,17 @@
                     <a:pt x="0" y="1334867"/>
                   </a:lnTo>
                   <a:lnTo>
-                    <a:pt x="2634107" y="1334867"/>
-                  </a:lnTo>
-                  <a:lnTo>
-                    <a:pt x="2634107" y="0"/>
+                    <a:pt x="2236109" y="1334867"/>
+                  </a:lnTo>
+                  <a:lnTo>
+                    <a:pt x="2236109" y="0"/>
                   </a:lnTo>
                   <a:close/>
                 </a:path>
               </a:pathLst>
             </a:custGeom>
             <a:solidFill>
-              <a:srgbClr val="FFFFFF">
+              <a:srgbClr val="F8766D">
                 <a:alpha val="100000"/>
               </a:srgbClr>
             </a:solidFill>
@@ -2954,18 +2954,18 @@
           </p:nvSpPr>
           <p:spPr>
             <a:xfrm>
-              <a:off x="1674401" y="3182938"/>
-              <a:ext cx="2634107" cy="0"/>
+              <a:off x="1555002" y="3182938"/>
+              <a:ext cx="2236109" cy="0"/>
             </a:xfrm>
             <a:custGeom>
               <a:avLst/>
               <a:pathLst>
-                <a:path w="2634107" h="0">
+                <a:path w="2236109" h="0">
                   <a:moveTo>
                     <a:pt x="0" y="0"/>
                   </a:moveTo>
                   <a:lnTo>
-                    <a:pt x="2634107" y="0"/>
+                    <a:pt x="2236109" y="0"/>
                   </a:lnTo>
                 </a:path>
               </a:pathLst>
@@ -2994,7 +2994,7 @@
           </p:nvSpPr>
           <p:spPr>
             <a:xfrm>
-              <a:off x="6478772" y="2700443"/>
+              <a:off x="5629711" y="2700443"/>
               <a:ext cx="49651" cy="49651"/>
             </a:xfrm>
             <a:prstGeom prst="ellipse">
@@ -3029,7 +3029,7 @@
           </p:nvSpPr>
           <p:spPr>
             <a:xfrm>
-              <a:off x="6478772" y="2497035"/>
+              <a:off x="5629711" y="2497035"/>
               <a:ext cx="49651" cy="49651"/>
             </a:xfrm>
             <a:prstGeom prst="ellipse">
@@ -3064,7 +3064,7 @@
           </p:nvSpPr>
           <p:spPr>
             <a:xfrm>
-              <a:off x="6478772" y="2802147"/>
+              <a:off x="5629711" y="2802147"/>
               <a:ext cx="49651" cy="49651"/>
             </a:xfrm>
             <a:prstGeom prst="ellipse">
@@ -3099,7 +3099,7 @@
           </p:nvSpPr>
           <p:spPr>
             <a:xfrm>
-              <a:off x="6503598" y="3132086"/>
+              <a:off x="5654537" y="3132086"/>
               <a:ext cx="0" cy="1061537"/>
             </a:xfrm>
             <a:custGeom>
@@ -3139,7 +3139,7 @@
           </p:nvSpPr>
           <p:spPr>
             <a:xfrm>
-              <a:off x="6503598" y="4943691"/>
+              <a:off x="5654537" y="4943691"/>
               <a:ext cx="0" cy="603868"/>
             </a:xfrm>
             <a:custGeom>
@@ -3179,13 +3179,13 @@
           </p:nvSpPr>
           <p:spPr>
             <a:xfrm>
-              <a:off x="5186544" y="4193623"/>
-              <a:ext cx="2634107" cy="750068"/>
+              <a:off x="4536482" y="4193623"/>
+              <a:ext cx="2236109" cy="750068"/>
             </a:xfrm>
             <a:custGeom>
               <a:avLst/>
               <a:pathLst>
-                <a:path w="2634107" h="750068">
+                <a:path w="2236109" h="750068">
                   <a:moveTo>
                     <a:pt x="0" y="0"/>
                   </a:moveTo>
@@ -3193,17 +3193,17 @@
                     <a:pt x="0" y="750068"/>
                   </a:lnTo>
                   <a:lnTo>
-                    <a:pt x="2634107" y="750068"/>
-                  </a:lnTo>
-                  <a:lnTo>
-                    <a:pt x="2634107" y="0"/>
+                    <a:pt x="2236109" y="750068"/>
+                  </a:lnTo>
+                  <a:lnTo>
+                    <a:pt x="2236109" y="0"/>
                   </a:lnTo>
                   <a:close/>
                 </a:path>
               </a:pathLst>
             </a:custGeom>
             <a:solidFill>
-              <a:srgbClr val="FFFFFF">
+              <a:srgbClr val="00BFC4">
                 <a:alpha val="100000"/>
               </a:srgbClr>
             </a:solidFill>
@@ -3231,18 +3231,18 @@
           </p:nvSpPr>
           <p:spPr>
             <a:xfrm>
-              <a:off x="5186544" y="4594083"/>
-              <a:ext cx="2634107" cy="0"/>
+              <a:off x="4536482" y="4594083"/>
+              <a:ext cx="2236109" cy="0"/>
             </a:xfrm>
             <a:custGeom>
               <a:avLst/>
               <a:pathLst>
-                <a:path w="2634107" h="0">
+                <a:path w="2236109" h="0">
                   <a:moveTo>
                     <a:pt x="0" y="0"/>
                   </a:moveTo>
                   <a:lnTo>
-                    <a:pt x="2634107" y="0"/>
+                    <a:pt x="2236109" y="0"/>
                   </a:lnTo>
                 </a:path>
               </a:pathLst>
@@ -4344,17 +4344,17 @@
           <p:spPr>
             <a:xfrm>
               <a:off x="884169" y="5720457"/>
-              <a:ext cx="7726715" cy="0"/>
+              <a:ext cx="6559255" cy="0"/>
             </a:xfrm>
             <a:custGeom>
               <a:avLst/>
               <a:pathLst>
-                <a:path w="7726715" h="0">
+                <a:path w="6559255" h="0">
                   <a:moveTo>
                     <a:pt x="0" y="0"/>
                   </a:moveTo>
                   <a:lnTo>
-                    <a:pt x="7726715" y="0"/>
+                    <a:pt x="6559255" y="0"/>
                   </a:lnTo>
                 </a:path>
               </a:pathLst>
@@ -4383,7 +4383,7 @@
           </p:nvSpPr>
           <p:spPr>
             <a:xfrm>
-              <a:off x="2991455" y="5720457"/>
+              <a:off x="2673057" y="5720457"/>
               <a:ext cx="0" cy="37957"/>
             </a:xfrm>
             <a:custGeom>
@@ -4423,7 +4423,7 @@
           </p:nvSpPr>
           <p:spPr>
             <a:xfrm>
-              <a:off x="6503598" y="5720457"/>
+              <a:off x="5654537" y="5720457"/>
               <a:ext cx="0" cy="37957"/>
             </a:xfrm>
             <a:custGeom>
@@ -4463,7 +4463,7 @@
           </p:nvSpPr>
           <p:spPr>
             <a:xfrm>
-              <a:off x="2959671" y="5787051"/>
+              <a:off x="2641273" y="5787051"/>
               <a:ext cx="63568" cy="83548"/>
             </a:xfrm>
             <a:prstGeom prst="rect">
@@ -4509,7 +4509,7 @@
           </p:nvSpPr>
           <p:spPr>
             <a:xfrm>
-              <a:off x="6471814" y="5788446"/>
+              <a:off x="5622752" y="5788446"/>
               <a:ext cx="63568" cy="82153"/>
             </a:xfrm>
             <a:prstGeom prst="rect">
@@ -4555,8 +4555,8 @@
           </p:nvSpPr>
           <p:spPr>
             <a:xfrm>
-              <a:off x="4299399" y="5907496"/>
-              <a:ext cx="896255" cy="116023"/>
+              <a:off x="3803881" y="5906008"/>
+              <a:ext cx="719832" cy="117512"/>
             </a:xfrm>
             <a:prstGeom prst="rect">
               <a:avLst/>
@@ -4588,7 +4588,7 @@
                   <a:latin typeface="Arial"/>
                   <a:cs typeface="Arial"/>
                 </a:rPr>
-                <a:t>compliance_ttt</a:t>
+                <a:t>Compliance</a:t>
               </a:r>
             </a:p>
           </p:txBody>
@@ -4601,8 +4601,8 @@
           </p:nvSpPr>
           <p:spPr>
             <a:xfrm rot="-5400000">
-              <a:off x="467568" y="3771553"/>
-              <a:ext cx="218839" cy="94071"/>
+              <a:off x="445244" y="3759771"/>
+              <a:ext cx="239923" cy="117636"/>
             </a:xfrm>
             <a:prstGeom prst="rect">
               <a:avLst/>
@@ -4634,14 +4634,549 @@
                   <a:latin typeface="Arial"/>
                   <a:cs typeface="Arial"/>
                 </a:rPr>
-                <a:t>age</a:t>
+                <a:t>Age</a:t>
               </a:r>
             </a:p>
           </p:txBody>
         </p:sp>
         <p:sp>
           <p:nvSpPr>
-            <p:cNvPr id="60" name="tx60"/>
+            <p:cNvPr id="60" name="rc60"/>
+            <p:cNvSpPr/>
+            <p:nvPr/>
+          </p:nvSpPr>
+          <p:spPr>
+            <a:xfrm>
+              <a:off x="7595255" y="3414678"/>
+              <a:ext cx="1015629" cy="807821"/>
+            </a:xfrm>
+            <a:prstGeom prst="rect">
+              <a:avLst/>
+            </a:prstGeom>
+            <a:solidFill>
+              <a:srgbClr val="FFFFFF">
+                <a:alpha val="100000"/>
+              </a:srgbClr>
+            </a:solidFill>
+            <a:ln w="14782" cap="rnd">
+              <a:solidFill>
+                <a:srgbClr val="000000">
+                  <a:alpha val="100000"/>
+                </a:srgbClr>
+              </a:solidFill>
+              <a:prstDash val="solid"/>
+              <a:round/>
+            </a:ln>
+          </p:spPr>
+          <p:txBody>
+            <a:bodyPr/>
+            <a:lstStyle/>
+            <a:p/>
+          </p:txBody>
+        </p:sp>
+        <p:sp>
+          <p:nvSpPr>
+            <p:cNvPr id="61" name="tx61"/>
+            <p:cNvSpPr/>
+            <p:nvPr/>
+          </p:nvSpPr>
+          <p:spPr>
+            <a:xfrm>
+              <a:off x="7671170" y="3474706"/>
+              <a:ext cx="863798" cy="141014"/>
+            </a:xfrm>
+            <a:prstGeom prst="rect">
+              <a:avLst/>
+            </a:prstGeom>
+            <a:noFill/>
+          </p:spPr>
+          <p:txBody>
+            <a:bodyPr lIns="0" rIns="0" tIns="0" bIns="0" anchorCtr="1" anchor="ctr" wrap="none"/>
+            <a:lstStyle/>
+            <a:p>
+              <a:pPr algn="l" marL="0" marR="0" indent="0">
+                <a:lnSpc>
+                  <a:spcPts val="1200"/>
+                </a:lnSpc>
+                <a:spcBef>
+                  <a:spcPts val="0"/>
+                </a:spcBef>
+                <a:spcAft>
+                  <a:spcPts val="0"/>
+                </a:spcAft>
+              </a:pPr>
+              <a:r>
+                <a:rPr sz="1200" b="1">
+                  <a:solidFill>
+                    <a:srgbClr val="000000">
+                      <a:alpha val="100000"/>
+                    </a:srgbClr>
+                  </a:solidFill>
+                  <a:latin typeface="Arial"/>
+                  <a:cs typeface="Arial"/>
+                </a:rPr>
+                <a:t>Compliance</a:t>
+              </a:r>
+            </a:p>
+          </p:txBody>
+        </p:sp>
+        <p:sp>
+          <p:nvSpPr>
+            <p:cNvPr id="62" name="rc62"/>
+            <p:cNvSpPr/>
+            <p:nvPr/>
+          </p:nvSpPr>
+          <p:spPr>
+            <a:xfrm>
+              <a:off x="7671170" y="3707672"/>
+              <a:ext cx="219455" cy="219455"/>
+            </a:xfrm>
+            <a:prstGeom prst="rect">
+              <a:avLst/>
+            </a:prstGeom>
+            <a:solidFill>
+              <a:srgbClr val="FFFFFF">
+                <a:alpha val="100000"/>
+              </a:srgbClr>
+            </a:solidFill>
+          </p:spPr>
+          <p:txBody>
+            <a:bodyPr/>
+            <a:lstStyle/>
+            <a:p/>
+          </p:txBody>
+        </p:sp>
+        <p:sp>
+          <p:nvSpPr>
+            <p:cNvPr id="63" name="pl63"/>
+            <p:cNvSpPr/>
+            <p:nvPr/>
+          </p:nvSpPr>
+          <p:spPr>
+            <a:xfrm>
+              <a:off x="7780898" y="3872264"/>
+              <a:ext cx="0" cy="32918"/>
+            </a:xfrm>
+            <a:custGeom>
+              <a:avLst/>
+              <a:pathLst>
+                <a:path w="0" h="32918">
+                  <a:moveTo>
+                    <a:pt x="0" y="32918"/>
+                  </a:moveTo>
+                  <a:lnTo>
+                    <a:pt x="0" y="0"/>
+                  </a:lnTo>
+                </a:path>
+              </a:pathLst>
+            </a:custGeom>
+            <a:ln w="13550" cap="flat">
+              <a:solidFill>
+                <a:srgbClr val="333333">
+                  <a:alpha val="100000"/>
+                </a:srgbClr>
+              </a:solidFill>
+              <a:prstDash val="solid"/>
+              <a:miter/>
+            </a:ln>
+          </p:spPr>
+          <p:txBody>
+            <a:bodyPr/>
+            <a:lstStyle/>
+            <a:p/>
+          </p:txBody>
+        </p:sp>
+        <p:sp>
+          <p:nvSpPr>
+            <p:cNvPr id="64" name="pl64"/>
+            <p:cNvSpPr/>
+            <p:nvPr/>
+          </p:nvSpPr>
+          <p:spPr>
+            <a:xfrm>
+              <a:off x="7780898" y="3729618"/>
+              <a:ext cx="0" cy="32918"/>
+            </a:xfrm>
+            <a:custGeom>
+              <a:avLst/>
+              <a:pathLst>
+                <a:path w="0" h="32918">
+                  <a:moveTo>
+                    <a:pt x="0" y="32918"/>
+                  </a:moveTo>
+                  <a:lnTo>
+                    <a:pt x="0" y="0"/>
+                  </a:lnTo>
+                </a:path>
+              </a:pathLst>
+            </a:custGeom>
+            <a:ln w="13550" cap="flat">
+              <a:solidFill>
+                <a:srgbClr val="333333">
+                  <a:alpha val="100000"/>
+                </a:srgbClr>
+              </a:solidFill>
+              <a:prstDash val="solid"/>
+              <a:miter/>
+            </a:ln>
+          </p:spPr>
+          <p:txBody>
+            <a:bodyPr/>
+            <a:lstStyle/>
+            <a:p/>
+          </p:txBody>
+        </p:sp>
+        <p:sp>
+          <p:nvSpPr>
+            <p:cNvPr id="65" name="rc65"/>
+            <p:cNvSpPr/>
+            <p:nvPr/>
+          </p:nvSpPr>
+          <p:spPr>
+            <a:xfrm>
+              <a:off x="7698602" y="3762536"/>
+              <a:ext cx="164592" cy="109727"/>
+            </a:xfrm>
+            <a:prstGeom prst="rect">
+              <a:avLst/>
+            </a:prstGeom>
+            <a:solidFill>
+              <a:srgbClr val="F8766D">
+                <a:alpha val="100000"/>
+              </a:srgbClr>
+            </a:solidFill>
+            <a:ln w="13550" cap="flat">
+              <a:solidFill>
+                <a:srgbClr val="333333">
+                  <a:alpha val="100000"/>
+                </a:srgbClr>
+              </a:solidFill>
+              <a:prstDash val="solid"/>
+              <a:miter/>
+            </a:ln>
+          </p:spPr>
+          <p:txBody>
+            <a:bodyPr/>
+            <a:lstStyle/>
+            <a:p/>
+          </p:txBody>
+        </p:sp>
+        <p:sp>
+          <p:nvSpPr>
+            <p:cNvPr id="66" name="pl66"/>
+            <p:cNvSpPr/>
+            <p:nvPr/>
+          </p:nvSpPr>
+          <p:spPr>
+            <a:xfrm>
+              <a:off x="7698602" y="3817400"/>
+              <a:ext cx="164591" cy="0"/>
+            </a:xfrm>
+            <a:custGeom>
+              <a:avLst/>
+              <a:pathLst>
+                <a:path w="164591" h="0">
+                  <a:moveTo>
+                    <a:pt x="0" y="0"/>
+                  </a:moveTo>
+                  <a:lnTo>
+                    <a:pt x="164591" y="0"/>
+                  </a:lnTo>
+                </a:path>
+              </a:pathLst>
+            </a:custGeom>
+            <a:ln w="13550" cap="flat">
+              <a:solidFill>
+                <a:srgbClr val="333333">
+                  <a:alpha val="100000"/>
+                </a:srgbClr>
+              </a:solidFill>
+              <a:prstDash val="solid"/>
+              <a:miter/>
+            </a:ln>
+          </p:spPr>
+          <p:txBody>
+            <a:bodyPr/>
+            <a:lstStyle/>
+            <a:p/>
+          </p:txBody>
+        </p:sp>
+        <p:sp>
+          <p:nvSpPr>
+            <p:cNvPr id="67" name="rc67"/>
+            <p:cNvSpPr/>
+            <p:nvPr/>
+          </p:nvSpPr>
+          <p:spPr>
+            <a:xfrm>
+              <a:off x="7671170" y="3927128"/>
+              <a:ext cx="219455" cy="219455"/>
+            </a:xfrm>
+            <a:prstGeom prst="rect">
+              <a:avLst/>
+            </a:prstGeom>
+            <a:solidFill>
+              <a:srgbClr val="FFFFFF">
+                <a:alpha val="100000"/>
+              </a:srgbClr>
+            </a:solidFill>
+          </p:spPr>
+          <p:txBody>
+            <a:bodyPr/>
+            <a:lstStyle/>
+            <a:p/>
+          </p:txBody>
+        </p:sp>
+        <p:sp>
+          <p:nvSpPr>
+            <p:cNvPr id="68" name="pl68"/>
+            <p:cNvSpPr/>
+            <p:nvPr/>
+          </p:nvSpPr>
+          <p:spPr>
+            <a:xfrm>
+              <a:off x="7780898" y="4091720"/>
+              <a:ext cx="0" cy="32918"/>
+            </a:xfrm>
+            <a:custGeom>
+              <a:avLst/>
+              <a:pathLst>
+                <a:path w="0" h="32918">
+                  <a:moveTo>
+                    <a:pt x="0" y="32918"/>
+                  </a:moveTo>
+                  <a:lnTo>
+                    <a:pt x="0" y="0"/>
+                  </a:lnTo>
+                </a:path>
+              </a:pathLst>
+            </a:custGeom>
+            <a:ln w="13550" cap="flat">
+              <a:solidFill>
+                <a:srgbClr val="333333">
+                  <a:alpha val="100000"/>
+                </a:srgbClr>
+              </a:solidFill>
+              <a:prstDash val="solid"/>
+              <a:miter/>
+            </a:ln>
+          </p:spPr>
+          <p:txBody>
+            <a:bodyPr/>
+            <a:lstStyle/>
+            <a:p/>
+          </p:txBody>
+        </p:sp>
+        <p:sp>
+          <p:nvSpPr>
+            <p:cNvPr id="69" name="pl69"/>
+            <p:cNvSpPr/>
+            <p:nvPr/>
+          </p:nvSpPr>
+          <p:spPr>
+            <a:xfrm>
+              <a:off x="7780898" y="3949074"/>
+              <a:ext cx="0" cy="32918"/>
+            </a:xfrm>
+            <a:custGeom>
+              <a:avLst/>
+              <a:pathLst>
+                <a:path w="0" h="32918">
+                  <a:moveTo>
+                    <a:pt x="0" y="32918"/>
+                  </a:moveTo>
+                  <a:lnTo>
+                    <a:pt x="0" y="0"/>
+                  </a:lnTo>
+                </a:path>
+              </a:pathLst>
+            </a:custGeom>
+            <a:ln w="13550" cap="flat">
+              <a:solidFill>
+                <a:srgbClr val="333333">
+                  <a:alpha val="100000"/>
+                </a:srgbClr>
+              </a:solidFill>
+              <a:prstDash val="solid"/>
+              <a:miter/>
+            </a:ln>
+          </p:spPr>
+          <p:txBody>
+            <a:bodyPr/>
+            <a:lstStyle/>
+            <a:p/>
+          </p:txBody>
+        </p:sp>
+        <p:sp>
+          <p:nvSpPr>
+            <p:cNvPr id="70" name="rc70"/>
+            <p:cNvSpPr/>
+            <p:nvPr/>
+          </p:nvSpPr>
+          <p:spPr>
+            <a:xfrm>
+              <a:off x="7698602" y="3981992"/>
+              <a:ext cx="164592" cy="109727"/>
+            </a:xfrm>
+            <a:prstGeom prst="rect">
+              <a:avLst/>
+            </a:prstGeom>
+            <a:solidFill>
+              <a:srgbClr val="00BFC4">
+                <a:alpha val="100000"/>
+              </a:srgbClr>
+            </a:solidFill>
+            <a:ln w="13550" cap="flat">
+              <a:solidFill>
+                <a:srgbClr val="333333">
+                  <a:alpha val="100000"/>
+                </a:srgbClr>
+              </a:solidFill>
+              <a:prstDash val="solid"/>
+              <a:miter/>
+            </a:ln>
+          </p:spPr>
+          <p:txBody>
+            <a:bodyPr/>
+            <a:lstStyle/>
+            <a:p/>
+          </p:txBody>
+        </p:sp>
+        <p:sp>
+          <p:nvSpPr>
+            <p:cNvPr id="71" name="pl71"/>
+            <p:cNvSpPr/>
+            <p:nvPr/>
+          </p:nvSpPr>
+          <p:spPr>
+            <a:xfrm>
+              <a:off x="7698602" y="4036856"/>
+              <a:ext cx="164591" cy="0"/>
+            </a:xfrm>
+            <a:custGeom>
+              <a:avLst/>
+              <a:pathLst>
+                <a:path w="164591" h="0">
+                  <a:moveTo>
+                    <a:pt x="0" y="0"/>
+                  </a:moveTo>
+                  <a:lnTo>
+                    <a:pt x="164591" y="0"/>
+                  </a:lnTo>
+                </a:path>
+              </a:pathLst>
+            </a:custGeom>
+            <a:ln w="13550" cap="flat">
+              <a:solidFill>
+                <a:srgbClr val="333333">
+                  <a:alpha val="100000"/>
+                </a:srgbClr>
+              </a:solidFill>
+              <a:prstDash val="solid"/>
+              <a:miter/>
+            </a:ln>
+          </p:spPr>
+          <p:txBody>
+            <a:bodyPr/>
+            <a:lstStyle/>
+            <a:p/>
+          </p:txBody>
+        </p:sp>
+        <p:sp>
+          <p:nvSpPr>
+            <p:cNvPr id="72" name="tx72"/>
+            <p:cNvSpPr/>
+            <p:nvPr/>
+          </p:nvSpPr>
+          <p:spPr>
+            <a:xfrm>
+              <a:off x="7966542" y="3765286"/>
+              <a:ext cx="77694" cy="102114"/>
+            </a:xfrm>
+            <a:prstGeom prst="rect">
+              <a:avLst/>
+            </a:prstGeom>
+            <a:noFill/>
+          </p:spPr>
+          <p:txBody>
+            <a:bodyPr lIns="0" rIns="0" tIns="0" bIns="0" anchorCtr="1" anchor="ctr" wrap="none"/>
+            <a:lstStyle/>
+            <a:p>
+              <a:pPr algn="l" marL="0" marR="0" indent="0">
+                <a:lnSpc>
+                  <a:spcPts val="1100"/>
+                </a:lnSpc>
+                <a:spcBef>
+                  <a:spcPts val="0"/>
+                </a:spcBef>
+                <a:spcAft>
+                  <a:spcPts val="0"/>
+                </a:spcAft>
+              </a:pPr>
+              <a:r>
+                <a:rPr sz="1100">
+                  <a:solidFill>
+                    <a:srgbClr val="000000">
+                      <a:alpha val="100000"/>
+                    </a:srgbClr>
+                  </a:solidFill>
+                  <a:latin typeface="Arial"/>
+                  <a:cs typeface="Arial"/>
+                </a:rPr>
+                <a:t>0</a:t>
+              </a:r>
+            </a:p>
+          </p:txBody>
+        </p:sp>
+        <p:sp>
+          <p:nvSpPr>
+            <p:cNvPr id="73" name="tx73"/>
+            <p:cNvSpPr/>
+            <p:nvPr/>
+          </p:nvSpPr>
+          <p:spPr>
+            <a:xfrm>
+              <a:off x="7966542" y="3986447"/>
+              <a:ext cx="77694" cy="100409"/>
+            </a:xfrm>
+            <a:prstGeom prst="rect">
+              <a:avLst/>
+            </a:prstGeom>
+            <a:noFill/>
+          </p:spPr>
+          <p:txBody>
+            <a:bodyPr lIns="0" rIns="0" tIns="0" bIns="0" anchorCtr="1" anchor="ctr" wrap="none"/>
+            <a:lstStyle/>
+            <a:p>
+              <a:pPr algn="l" marL="0" marR="0" indent="0">
+                <a:lnSpc>
+                  <a:spcPts val="1100"/>
+                </a:lnSpc>
+                <a:spcBef>
+                  <a:spcPts val="0"/>
+                </a:spcBef>
+                <a:spcAft>
+                  <a:spcPts val="0"/>
+                </a:spcAft>
+              </a:pPr>
+              <a:r>
+                <a:rPr sz="1100">
+                  <a:solidFill>
+                    <a:srgbClr val="000000">
+                      <a:alpha val="100000"/>
+                    </a:srgbClr>
+                  </a:solidFill>
+                  <a:latin typeface="Arial"/>
+                  <a:cs typeface="Arial"/>
+                </a:rPr>
+                <a:t>1</a:t>
+              </a:r>
+            </a:p>
+          </p:txBody>
+        </p:sp>
+        <p:sp>
+          <p:nvSpPr>
+            <p:cNvPr id="74" name="tx74"/>
             <p:cNvSpPr/>
             <p:nvPr/>
           </p:nvSpPr>
